--- a/Ppt/Angol/nah_Id_win_english.pptx
+++ b/Ppt/Angol/nah_Id_win_english.pptx
@@ -46908,29 +46908,34 @@
               <a:buNone/>
             </a:pPr>
             <a:r>
-              <a:rPr lang="en-US" sz="1900" dirty="0">
-                <a:solidFill>
-                  <a:schemeClr val="tx2"/>
-                </a:solidFill>
-              </a:rPr>
-              <a:t>Visual Studio</a:t>
+              <a:rPr lang="en-US" dirty="0"/>
+              <a:t>Visual Studio </a:t>
             </a:r>
             <a:r>
-              <a:rPr lang="en-US" sz="1900" dirty="0">
+              <a:rPr lang="en-US" dirty="0">
                 <a:solidFill>
                   <a:schemeClr val="bg1"/>
                 </a:solidFill>
               </a:rPr>
-              <a:t> is the best IDE to build rich, beautiful, cross platform applications for Windows, Mac, Linux, iOS, and Android. Build rich clients apps using a range of technologies such as; WinForms, WPF, WinUI, MAUI, or Xamarin</a:t>
+              <a:t>is the best IDE to build rich, beautiful, cross platform applications for Windows, Mac, Linux, iOS, and Android. Build rich clients apps using a range of technologies such as; WinForms, WPF, </a:t>
             </a:r>
-            <a:endParaRPr lang="hu-HU" sz="1900" dirty="0">
-              <a:solidFill>
-                <a:schemeClr val="bg1"/>
-              </a:solidFill>
-            </a:endParaRPr>
-          </a:p>
-          <a:p>
-            <a:endParaRPr lang="hu-HU" sz="1900" dirty="0">
+            <a:r>
+              <a:rPr lang="en-US" dirty="0" err="1">
+                <a:solidFill>
+                  <a:schemeClr val="bg1"/>
+                </a:solidFill>
+              </a:rPr>
+              <a:t>WinUI</a:t>
+            </a:r>
+            <a:r>
+              <a:rPr lang="en-US" dirty="0">
+                <a:solidFill>
+                  <a:schemeClr val="bg1"/>
+                </a:solidFill>
+              </a:rPr>
+              <a:t>, MAUI, or Xamarin</a:t>
+            </a:r>
+            <a:endParaRPr lang="hu-HU" dirty="0">
               <a:solidFill>
                 <a:schemeClr val="bg1"/>
               </a:solidFill>
@@ -46941,7 +46946,7 @@
               <a:buNone/>
             </a:pPr>
             <a:r>
-              <a:rPr lang="en-US" sz="1900" dirty="0">
+              <a:rPr lang="en-US" dirty="0">
                 <a:solidFill>
                   <a:schemeClr val="bg1"/>
                 </a:solidFill>
@@ -46949,18 +46954,10 @@
               <a:t>The technology we used was </a:t>
             </a:r>
             <a:r>
-              <a:rPr lang="hu-HU" sz="1900" dirty="0">
-                <a:solidFill>
-                  <a:schemeClr val="tx2"/>
-                </a:solidFill>
-              </a:rPr>
+              <a:rPr lang="en-US" dirty="0"/>
               <a:t>WPF</a:t>
             </a:r>
-            <a:endParaRPr lang="en-US" sz="1900" dirty="0">
-              <a:solidFill>
-                <a:schemeClr val="tx2"/>
-              </a:solidFill>
-            </a:endParaRPr>
+            <a:endParaRPr lang="hu-HU" dirty="0"/>
           </a:p>
         </p:txBody>
       </p:sp>

--- a/Ppt/Angol/nah_Id_win_english.pptx
+++ b/Ppt/Angol/nah_Id_win_english.pptx
@@ -27,7 +27,9 @@
     <p:sldId id="262" r:id="rId21"/>
     <p:sldId id="290" r:id="rId22"/>
     <p:sldId id="289" r:id="rId23"/>
-    <p:sldId id="282" r:id="rId24"/>
+    <p:sldId id="291" r:id="rId24"/>
+    <p:sldId id="292" r:id="rId25"/>
+    <p:sldId id="282" r:id="rId26"/>
   </p:sldIdLst>
   <p:sldSz cx="12192000" cy="6858000"/>
   <p:notesSz cx="6858000" cy="9144000"/>
@@ -47040,6 +47042,42 @@
           <a:chExt cx="0" cy="0"/>
         </a:xfrm>
       </p:grpSpPr>
+      <p:pic>
+        <p:nvPicPr>
+          <p:cNvPr id="3" name="Kép 2">
+            <a:extLst>
+              <a:ext uri="{FF2B5EF4-FFF2-40B4-BE49-F238E27FC236}">
+                <a16:creationId xmlns:a16="http://schemas.microsoft.com/office/drawing/2014/main" id="{FB78D9BF-34AE-4BA8-888F-059CEF6A4FD6}"/>
+              </a:ext>
+            </a:extLst>
+          </p:cNvPr>
+          <p:cNvPicPr>
+            <a:picLocks noChangeAspect="1"/>
+          </p:cNvPicPr>
+          <p:nvPr/>
+        </p:nvPicPr>
+        <p:blipFill>
+          <a:blip r:embed="rId2">
+            <a:extLst>
+              <a:ext uri="{28A0092B-C50C-407E-A947-70E740481C1C}">
+                <a14:useLocalDpi xmlns:a14="http://schemas.microsoft.com/office/drawing/2010/main" val="0"/>
+              </a:ext>
+            </a:extLst>
+          </a:blip>
+          <a:stretch>
+            <a:fillRect/>
+          </a:stretch>
+        </p:blipFill>
+        <p:spPr>
+          <a:xfrm>
+            <a:off x="2366442" y="1071233"/>
+            <a:ext cx="7459116" cy="4715533"/>
+          </a:xfrm>
+          <a:prstGeom prst="rect">
+            <a:avLst/>
+          </a:prstGeom>
+        </p:spPr>
+      </p:pic>
     </p:spTree>
     <p:extLst>
       <p:ext uri="{BB962C8B-B14F-4D97-AF65-F5344CB8AC3E}">
@@ -47054,6 +47092,138 @@
 </file>
 
 <file path=ppt/slides/slide17.xml><?xml version="1.0" encoding="utf-8"?>
+<p:sld xmlns:a="http://schemas.openxmlformats.org/drawingml/2006/main" xmlns:r="http://schemas.openxmlformats.org/officeDocument/2006/relationships" xmlns:p="http://schemas.openxmlformats.org/presentationml/2006/main">
+  <p:cSld>
+    <p:spTree>
+      <p:nvGrpSpPr>
+        <p:cNvPr id="1" name=""/>
+        <p:cNvGrpSpPr/>
+        <p:nvPr/>
+      </p:nvGrpSpPr>
+      <p:grpSpPr>
+        <a:xfrm>
+          <a:off x="0" y="0"/>
+          <a:ext cx="0" cy="0"/>
+          <a:chOff x="0" y="0"/>
+          <a:chExt cx="0" cy="0"/>
+        </a:xfrm>
+      </p:grpSpPr>
+      <p:pic>
+        <p:nvPicPr>
+          <p:cNvPr id="3" name="Kép 2">
+            <a:extLst>
+              <a:ext uri="{FF2B5EF4-FFF2-40B4-BE49-F238E27FC236}">
+                <a16:creationId xmlns:a16="http://schemas.microsoft.com/office/drawing/2014/main" id="{E956A161-13AC-4B42-901B-EAE059642600}"/>
+              </a:ext>
+            </a:extLst>
+          </p:cNvPr>
+          <p:cNvPicPr>
+            <a:picLocks noChangeAspect="1"/>
+          </p:cNvPicPr>
+          <p:nvPr/>
+        </p:nvPicPr>
+        <p:blipFill>
+          <a:blip r:embed="rId2">
+            <a:extLst>
+              <a:ext uri="{28A0092B-C50C-407E-A947-70E740481C1C}">
+                <a14:useLocalDpi xmlns:a14="http://schemas.microsoft.com/office/drawing/2010/main" val="0"/>
+              </a:ext>
+            </a:extLst>
+          </a:blip>
+          <a:stretch>
+            <a:fillRect/>
+          </a:stretch>
+        </p:blipFill>
+        <p:spPr>
+          <a:xfrm>
+            <a:off x="2337863" y="1071233"/>
+            <a:ext cx="7516274" cy="4715533"/>
+          </a:xfrm>
+          <a:prstGeom prst="rect">
+            <a:avLst/>
+          </a:prstGeom>
+        </p:spPr>
+      </p:pic>
+    </p:spTree>
+    <p:extLst>
+      <p:ext uri="{BB962C8B-B14F-4D97-AF65-F5344CB8AC3E}">
+        <p14:creationId xmlns:p14="http://schemas.microsoft.com/office/powerpoint/2010/main" val="2278562535"/>
+      </p:ext>
+    </p:extLst>
+  </p:cSld>
+  <p:clrMapOvr>
+    <a:masterClrMapping/>
+  </p:clrMapOvr>
+</p:sld>
+</file>
+
+<file path=ppt/slides/slide18.xml><?xml version="1.0" encoding="utf-8"?>
+<p:sld xmlns:a="http://schemas.openxmlformats.org/drawingml/2006/main" xmlns:r="http://schemas.openxmlformats.org/officeDocument/2006/relationships" xmlns:p="http://schemas.openxmlformats.org/presentationml/2006/main">
+  <p:cSld>
+    <p:spTree>
+      <p:nvGrpSpPr>
+        <p:cNvPr id="1" name=""/>
+        <p:cNvGrpSpPr/>
+        <p:nvPr/>
+      </p:nvGrpSpPr>
+      <p:grpSpPr>
+        <a:xfrm>
+          <a:off x="0" y="0"/>
+          <a:ext cx="0" cy="0"/>
+          <a:chOff x="0" y="0"/>
+          <a:chExt cx="0" cy="0"/>
+        </a:xfrm>
+      </p:grpSpPr>
+      <p:pic>
+        <p:nvPicPr>
+          <p:cNvPr id="3" name="Kép 2">
+            <a:extLst>
+              <a:ext uri="{FF2B5EF4-FFF2-40B4-BE49-F238E27FC236}">
+                <a16:creationId xmlns:a16="http://schemas.microsoft.com/office/drawing/2014/main" id="{80D6C3A7-AB25-4769-BBA6-551FC1AC4693}"/>
+              </a:ext>
+            </a:extLst>
+          </p:cNvPr>
+          <p:cNvPicPr>
+            <a:picLocks noChangeAspect="1"/>
+          </p:cNvPicPr>
+          <p:nvPr/>
+        </p:nvPicPr>
+        <p:blipFill>
+          <a:blip r:embed="rId2">
+            <a:extLst>
+              <a:ext uri="{28A0092B-C50C-407E-A947-70E740481C1C}">
+                <a14:useLocalDpi xmlns:a14="http://schemas.microsoft.com/office/drawing/2010/main" val="0"/>
+              </a:ext>
+            </a:extLst>
+          </a:blip>
+          <a:stretch>
+            <a:fillRect/>
+          </a:stretch>
+        </p:blipFill>
+        <p:spPr>
+          <a:xfrm>
+            <a:off x="2342626" y="1090286"/>
+            <a:ext cx="7506748" cy="4677428"/>
+          </a:xfrm>
+          <a:prstGeom prst="rect">
+            <a:avLst/>
+          </a:prstGeom>
+        </p:spPr>
+      </p:pic>
+    </p:spTree>
+    <p:extLst>
+      <p:ext uri="{BB962C8B-B14F-4D97-AF65-F5344CB8AC3E}">
+        <p14:creationId xmlns:p14="http://schemas.microsoft.com/office/powerpoint/2010/main" val="3119202758"/>
+      </p:ext>
+    </p:extLst>
+  </p:cSld>
+  <p:clrMapOvr>
+    <a:masterClrMapping/>
+  </p:clrMapOvr>
+</p:sld>
+</file>
+
+<file path=ppt/slides/slide19.xml><?xml version="1.0" encoding="utf-8"?>
 <p:sld xmlns:a="http://schemas.openxmlformats.org/drawingml/2006/main" xmlns:r="http://schemas.openxmlformats.org/officeDocument/2006/relationships" xmlns:p="http://schemas.openxmlformats.org/presentationml/2006/main">
   <p:cSld>
     <p:spTree>

--- a/Ppt/Angol/nah_Id_win_english.pptx
+++ b/Ppt/Angol/nah_Id_win_english.pptx
@@ -19,13 +19,13 @@
     <p:sldId id="259" r:id="rId13"/>
     <p:sldId id="283" r:id="rId14"/>
     <p:sldId id="266" r:id="rId15"/>
-    <p:sldId id="284" r:id="rId16"/>
-    <p:sldId id="285" r:id="rId17"/>
-    <p:sldId id="286" r:id="rId18"/>
-    <p:sldId id="287" r:id="rId19"/>
-    <p:sldId id="288" r:id="rId20"/>
-    <p:sldId id="262" r:id="rId21"/>
-    <p:sldId id="290" r:id="rId22"/>
+    <p:sldId id="262" r:id="rId16"/>
+    <p:sldId id="290" r:id="rId17"/>
+    <p:sldId id="284" r:id="rId18"/>
+    <p:sldId id="285" r:id="rId19"/>
+    <p:sldId id="286" r:id="rId20"/>
+    <p:sldId id="287" r:id="rId21"/>
+    <p:sldId id="288" r:id="rId22"/>
     <p:sldId id="289" r:id="rId23"/>
     <p:sldId id="291" r:id="rId24"/>
     <p:sldId id="292" r:id="rId25"/>
@@ -46232,6 +46232,308 @@
           <p:cNvPr id="2" name="Cím 1">
             <a:extLst>
               <a:ext uri="{FF2B5EF4-FFF2-40B4-BE49-F238E27FC236}">
+                <a16:creationId xmlns:a16="http://schemas.microsoft.com/office/drawing/2014/main" id="{8707011A-CE27-444A-A9F4-3AF1E03C7A69}"/>
+              </a:ext>
+            </a:extLst>
+          </p:cNvPr>
+          <p:cNvSpPr>
+            <a:spLocks noGrp="1"/>
+          </p:cNvSpPr>
+          <p:nvPr>
+            <p:ph type="title"/>
+          </p:nvPr>
+        </p:nvSpPr>
+        <p:spPr/>
+        <p:txBody>
+          <a:bodyPr/>
+          <a:lstStyle/>
+          <a:p>
+            <a:r>
+              <a:rPr lang="hu-HU" dirty="0"/>
+              <a:t>Visual </a:t>
+            </a:r>
+            <a:r>
+              <a:rPr lang="hu-HU" dirty="0" err="1"/>
+              <a:t>studio</a:t>
+            </a:r>
+            <a:r>
+              <a:rPr lang="hu-HU" dirty="0"/>
+              <a:t> 2022</a:t>
+            </a:r>
+            <a:endParaRPr lang="en-US" dirty="0"/>
+          </a:p>
+        </p:txBody>
+      </p:sp>
+      <p:sp>
+        <p:nvSpPr>
+          <p:cNvPr id="3" name="Tartalom helye 2">
+            <a:extLst>
+              <a:ext uri="{FF2B5EF4-FFF2-40B4-BE49-F238E27FC236}">
+                <a16:creationId xmlns:a16="http://schemas.microsoft.com/office/drawing/2014/main" id="{8BE89C88-CC96-497B-ABF8-ABB003B12E19}"/>
+              </a:ext>
+            </a:extLst>
+          </p:cNvPr>
+          <p:cNvSpPr>
+            <a:spLocks noGrp="1"/>
+          </p:cNvSpPr>
+          <p:nvPr>
+            <p:ph sz="half" idx="1"/>
+          </p:nvPr>
+        </p:nvSpPr>
+        <p:spPr/>
+        <p:txBody>
+          <a:bodyPr/>
+          <a:lstStyle/>
+          <a:p>
+            <a:pPr marL="0" indent="0">
+              <a:buNone/>
+            </a:pPr>
+            <a:r>
+              <a:rPr lang="en-US" dirty="0"/>
+              <a:t>Visual Studio </a:t>
+            </a:r>
+            <a:r>
+              <a:rPr lang="en-US" dirty="0">
+                <a:solidFill>
+                  <a:schemeClr val="bg1"/>
+                </a:solidFill>
+              </a:rPr>
+              <a:t>is the best IDE to build rich, beautiful, cross platform applications for Windows, Mac, Linux, iOS, and Android. Build rich clients apps using a range of technologies such as; WinForms, WPF, </a:t>
+            </a:r>
+            <a:r>
+              <a:rPr lang="en-US" dirty="0" err="1">
+                <a:solidFill>
+                  <a:schemeClr val="bg1"/>
+                </a:solidFill>
+              </a:rPr>
+              <a:t>WinUI</a:t>
+            </a:r>
+            <a:r>
+              <a:rPr lang="en-US" dirty="0">
+                <a:solidFill>
+                  <a:schemeClr val="bg1"/>
+                </a:solidFill>
+              </a:rPr>
+              <a:t>, MAUI, or Xamarin</a:t>
+            </a:r>
+            <a:endParaRPr lang="hu-HU" dirty="0">
+              <a:solidFill>
+                <a:schemeClr val="bg1"/>
+              </a:solidFill>
+            </a:endParaRPr>
+          </a:p>
+          <a:p>
+            <a:pPr marL="0" indent="0">
+              <a:buNone/>
+            </a:pPr>
+            <a:r>
+              <a:rPr lang="en-US" dirty="0">
+                <a:solidFill>
+                  <a:schemeClr val="bg1"/>
+                </a:solidFill>
+              </a:rPr>
+              <a:t>The technology we used was </a:t>
+            </a:r>
+            <a:r>
+              <a:rPr lang="en-US" dirty="0"/>
+              <a:t>WPF</a:t>
+            </a:r>
+            <a:endParaRPr lang="hu-HU" dirty="0"/>
+          </a:p>
+        </p:txBody>
+      </p:sp>
+      <p:pic>
+        <p:nvPicPr>
+          <p:cNvPr id="1026" name="Picture 2" descr="Visual Studio - Wikipedia">
+            <a:extLst>
+              <a:ext uri="{FF2B5EF4-FFF2-40B4-BE49-F238E27FC236}">
+                <a16:creationId xmlns:a16="http://schemas.microsoft.com/office/drawing/2014/main" id="{52547C62-04A1-47C0-9BA7-467A4D1C0653}"/>
+              </a:ext>
+            </a:extLst>
+          </p:cNvPr>
+          <p:cNvPicPr>
+            <a:picLocks noGrp="1" noChangeAspect="1" noChangeArrowheads="1"/>
+          </p:cNvPicPr>
+          <p:nvPr>
+            <p:ph sz="half" idx="2"/>
+          </p:nvPr>
+        </p:nvPicPr>
+        <p:blipFill>
+          <a:blip r:embed="rId2">
+            <a:extLst>
+              <a:ext uri="{28A0092B-C50C-407E-A947-70E740481C1C}">
+                <a14:useLocalDpi xmlns:a14="http://schemas.microsoft.com/office/drawing/2010/main" val="0"/>
+              </a:ext>
+            </a:extLst>
+          </a:blip>
+          <a:srcRect/>
+          <a:stretch>
+            <a:fillRect/>
+          </a:stretch>
+        </p:blipFill>
+        <p:spPr bwMode="auto">
+          <a:xfrm>
+            <a:off x="6360239" y="1411696"/>
+            <a:ext cx="3649662" cy="3649662"/>
+          </a:xfrm>
+          <a:prstGeom prst="rect">
+            <a:avLst/>
+          </a:prstGeom>
+          <a:noFill/>
+          <a:extLst>
+            <a:ext uri="{909E8E84-426E-40DD-AFC4-6F175D3DCCD1}">
+              <a14:hiddenFill xmlns:a14="http://schemas.microsoft.com/office/drawing/2010/main">
+                <a:solidFill>
+                  <a:srgbClr val="FFFFFF"/>
+                </a:solidFill>
+              </a14:hiddenFill>
+            </a:ext>
+          </a:extLst>
+        </p:spPr>
+      </p:pic>
+    </p:spTree>
+    <p:extLst>
+      <p:ext uri="{BB962C8B-B14F-4D97-AF65-F5344CB8AC3E}">
+        <p14:creationId xmlns:p14="http://schemas.microsoft.com/office/powerpoint/2010/main" val="3874392741"/>
+      </p:ext>
+    </p:extLst>
+  </p:cSld>
+  <p:clrMapOvr>
+    <a:masterClrMapping/>
+  </p:clrMapOvr>
+</p:sld>
+</file>
+
+<file path=ppt/slides/slide11.xml><?xml version="1.0" encoding="utf-8"?>
+<p:sld xmlns:a="http://schemas.openxmlformats.org/drawingml/2006/main" xmlns:r="http://schemas.openxmlformats.org/officeDocument/2006/relationships" xmlns:p="http://schemas.openxmlformats.org/presentationml/2006/main">
+  <p:cSld>
+    <p:spTree>
+      <p:nvGrpSpPr>
+        <p:cNvPr id="1" name=""/>
+        <p:cNvGrpSpPr/>
+        <p:nvPr/>
+      </p:nvGrpSpPr>
+      <p:grpSpPr>
+        <a:xfrm>
+          <a:off x="0" y="0"/>
+          <a:ext cx="0" cy="0"/>
+          <a:chOff x="0" y="0"/>
+          <a:chExt cx="0" cy="0"/>
+        </a:xfrm>
+      </p:grpSpPr>
+      <p:sp>
+        <p:nvSpPr>
+          <p:cNvPr id="2" name="Cím 1">
+            <a:extLst>
+              <a:ext uri="{FF2B5EF4-FFF2-40B4-BE49-F238E27FC236}">
+                <a16:creationId xmlns:a16="http://schemas.microsoft.com/office/drawing/2014/main" id="{7F901B5D-9267-4B8F-8174-F28652CE1542}"/>
+              </a:ext>
+            </a:extLst>
+          </p:cNvPr>
+          <p:cNvSpPr>
+            <a:spLocks noGrp="1"/>
+          </p:cNvSpPr>
+          <p:nvPr>
+            <p:ph type="title"/>
+          </p:nvPr>
+        </p:nvSpPr>
+        <p:spPr>
+          <a:xfrm>
+            <a:off x="1424133" y="324587"/>
+            <a:ext cx="9396400" cy="643200"/>
+          </a:xfrm>
+        </p:spPr>
+        <p:txBody>
+          <a:bodyPr/>
+          <a:lstStyle/>
+          <a:p>
+            <a:r>
+              <a:rPr lang="en-US" sz="3200" dirty="0">
+                <a:solidFill>
+                  <a:schemeClr val="tx2"/>
+                </a:solidFill>
+              </a:rPr>
+              <a:t>prototype</a:t>
+            </a:r>
+            <a:endParaRPr lang="hu-HU" sz="3200" dirty="0">
+              <a:solidFill>
+                <a:schemeClr val="tx2"/>
+              </a:solidFill>
+            </a:endParaRPr>
+          </a:p>
+        </p:txBody>
+      </p:sp>
+      <p:pic>
+        <p:nvPicPr>
+          <p:cNvPr id="5" name="Kép 4">
+            <a:extLst>
+              <a:ext uri="{FF2B5EF4-FFF2-40B4-BE49-F238E27FC236}">
+                <a16:creationId xmlns:a16="http://schemas.microsoft.com/office/drawing/2014/main" id="{97EF8452-0184-4AD3-AD8A-1D0769A88F3D}"/>
+              </a:ext>
+            </a:extLst>
+          </p:cNvPr>
+          <p:cNvPicPr>
+            <a:picLocks noChangeAspect="1"/>
+          </p:cNvPicPr>
+          <p:nvPr/>
+        </p:nvPicPr>
+        <p:blipFill>
+          <a:blip r:embed="rId2">
+            <a:extLst>
+              <a:ext uri="{28A0092B-C50C-407E-A947-70E740481C1C}">
+                <a14:useLocalDpi xmlns:a14="http://schemas.microsoft.com/office/drawing/2010/main" val="0"/>
+              </a:ext>
+            </a:extLst>
+          </a:blip>
+          <a:stretch>
+            <a:fillRect/>
+          </a:stretch>
+        </p:blipFill>
+        <p:spPr>
+          <a:xfrm>
+            <a:off x="2471737" y="1185862"/>
+            <a:ext cx="7248525" cy="4486275"/>
+          </a:xfrm>
+          <a:prstGeom prst="rect">
+            <a:avLst/>
+          </a:prstGeom>
+        </p:spPr>
+      </p:pic>
+    </p:spTree>
+    <p:extLst>
+      <p:ext uri="{BB962C8B-B14F-4D97-AF65-F5344CB8AC3E}">
+        <p14:creationId xmlns:p14="http://schemas.microsoft.com/office/powerpoint/2010/main" val="3355396585"/>
+      </p:ext>
+    </p:extLst>
+  </p:cSld>
+  <p:clrMapOvr>
+    <a:masterClrMapping/>
+  </p:clrMapOvr>
+</p:sld>
+</file>
+
+<file path=ppt/slides/slide12.xml><?xml version="1.0" encoding="utf-8"?>
+<p:sld xmlns:a="http://schemas.openxmlformats.org/drawingml/2006/main" xmlns:r="http://schemas.openxmlformats.org/officeDocument/2006/relationships" xmlns:p="http://schemas.openxmlformats.org/presentationml/2006/main">
+  <p:cSld>
+    <p:spTree>
+      <p:nvGrpSpPr>
+        <p:cNvPr id="1" name=""/>
+        <p:cNvGrpSpPr/>
+        <p:nvPr/>
+      </p:nvGrpSpPr>
+      <p:grpSpPr>
+        <a:xfrm>
+          <a:off x="0" y="0"/>
+          <a:ext cx="0" cy="0"/>
+          <a:chOff x="0" y="0"/>
+          <a:chExt cx="0" cy="0"/>
+        </a:xfrm>
+      </p:grpSpPr>
+      <p:sp>
+        <p:nvSpPr>
+          <p:cNvPr id="2" name="Cím 1">
+            <a:extLst>
+              <a:ext uri="{FF2B5EF4-FFF2-40B4-BE49-F238E27FC236}">
                 <a16:creationId xmlns:a16="http://schemas.microsoft.com/office/drawing/2014/main" id="{7F901B5D-9267-4B8F-8174-F28652CE1542}"/>
               </a:ext>
             </a:extLst>
@@ -46318,7 +46620,7 @@
 </p:sld>
 </file>
 
-<file path=ppt/slides/slide11.xml><?xml version="1.0" encoding="utf-8"?>
+<file path=ppt/slides/slide13.xml><?xml version="1.0" encoding="utf-8"?>
 <p:sld xmlns:a="http://schemas.openxmlformats.org/drawingml/2006/main" xmlns:r="http://schemas.openxmlformats.org/officeDocument/2006/relationships" xmlns:p="http://schemas.openxmlformats.org/presentationml/2006/main">
   <p:cSld>
     <p:spTree>
@@ -46426,7 +46728,7 @@
 </p:sld>
 </file>
 
-<file path=ppt/slides/slide12.xml><?xml version="1.0" encoding="utf-8"?>
+<file path=ppt/slides/slide14.xml><?xml version="1.0" encoding="utf-8"?>
 <p:sld xmlns:a="http://schemas.openxmlformats.org/drawingml/2006/main" xmlns:r="http://schemas.openxmlformats.org/officeDocument/2006/relationships" xmlns:p="http://schemas.openxmlformats.org/presentationml/2006/main">
   <p:cSld>
     <p:spTree>
@@ -46534,7 +46836,7 @@
 </p:sld>
 </file>
 
-<file path=ppt/slides/slide13.xml><?xml version="1.0" encoding="utf-8"?>
+<file path=ppt/slides/slide15.xml><?xml version="1.0" encoding="utf-8"?>
 <p:sld xmlns:a="http://schemas.openxmlformats.org/drawingml/2006/main" xmlns:r="http://schemas.openxmlformats.org/officeDocument/2006/relationships" xmlns:p="http://schemas.openxmlformats.org/presentationml/2006/main">
   <p:cSld>
     <p:spTree>
@@ -46633,389 +46935,6 @@
     <p:extLst>
       <p:ext uri="{BB962C8B-B14F-4D97-AF65-F5344CB8AC3E}">
         <p14:creationId xmlns:p14="http://schemas.microsoft.com/office/powerpoint/2010/main" val="2530639028"/>
-      </p:ext>
-    </p:extLst>
-  </p:cSld>
-  <p:clrMapOvr>
-    <a:masterClrMapping/>
-  </p:clrMapOvr>
-</p:sld>
-</file>
-
-<file path=ppt/slides/slide14.xml><?xml version="1.0" encoding="utf-8"?>
-<p:sld xmlns:a="http://schemas.openxmlformats.org/drawingml/2006/main" xmlns:r="http://schemas.openxmlformats.org/officeDocument/2006/relationships" xmlns:p="http://schemas.openxmlformats.org/presentationml/2006/main">
-  <p:cSld>
-    <p:spTree>
-      <p:nvGrpSpPr>
-        <p:cNvPr id="1" name=""/>
-        <p:cNvGrpSpPr/>
-        <p:nvPr/>
-      </p:nvGrpSpPr>
-      <p:grpSpPr>
-        <a:xfrm>
-          <a:off x="0" y="0"/>
-          <a:ext cx="0" cy="0"/>
-          <a:chOff x="0" y="0"/>
-          <a:chExt cx="0" cy="0"/>
-        </a:xfrm>
-      </p:grpSpPr>
-      <p:sp>
-        <p:nvSpPr>
-          <p:cNvPr id="2" name="Cím 1">
-            <a:extLst>
-              <a:ext uri="{FF2B5EF4-FFF2-40B4-BE49-F238E27FC236}">
-                <a16:creationId xmlns:a16="http://schemas.microsoft.com/office/drawing/2014/main" id="{A35FCB0D-0BCE-4AD0-9876-723B8354404D}"/>
-              </a:ext>
-            </a:extLst>
-          </p:cNvPr>
-          <p:cNvSpPr>
-            <a:spLocks noGrp="1"/>
-          </p:cNvSpPr>
-          <p:nvPr>
-            <p:ph type="title"/>
-          </p:nvPr>
-        </p:nvSpPr>
-        <p:spPr/>
-        <p:txBody>
-          <a:bodyPr/>
-          <a:lstStyle/>
-          <a:p>
-            <a:r>
-              <a:rPr lang="hu-HU" dirty="0">
-                <a:solidFill>
-                  <a:schemeClr val="accent1"/>
-                </a:solidFill>
-              </a:rPr>
-              <a:t>GitHub</a:t>
-            </a:r>
-          </a:p>
-        </p:txBody>
-      </p:sp>
-      <p:sp>
-        <p:nvSpPr>
-          <p:cNvPr id="3" name="Tartalom helye 2">
-            <a:extLst>
-              <a:ext uri="{FF2B5EF4-FFF2-40B4-BE49-F238E27FC236}">
-                <a16:creationId xmlns:a16="http://schemas.microsoft.com/office/drawing/2014/main" id="{BC2288B0-13D8-4F0F-B847-1D8E2B3BE34C}"/>
-              </a:ext>
-            </a:extLst>
-          </p:cNvPr>
-          <p:cNvSpPr>
-            <a:spLocks noGrp="1"/>
-          </p:cNvSpPr>
-          <p:nvPr>
-            <p:ph idx="1"/>
-          </p:nvPr>
-        </p:nvSpPr>
-        <p:spPr>
-          <a:xfrm>
-            <a:off x="587828" y="2094309"/>
-            <a:ext cx="4012163" cy="4033203"/>
-          </a:xfrm>
-        </p:spPr>
-        <p:txBody>
-          <a:bodyPr/>
-          <a:lstStyle/>
-          <a:p>
-            <a:pPr marL="158750" indent="0">
-              <a:buNone/>
-            </a:pPr>
-            <a:r>
-              <a:rPr lang="en-US" sz="2400" dirty="0">
-                <a:solidFill>
-                  <a:schemeClr val="tx2"/>
-                </a:solidFill>
-              </a:rPr>
-              <a:t>GitHub</a:t>
-            </a:r>
-            <a:r>
-              <a:rPr lang="en-US" sz="2400" dirty="0">
-                <a:solidFill>
-                  <a:schemeClr val="bg1"/>
-                </a:solidFill>
-              </a:rPr>
-              <a:t> is often used by programmers.</a:t>
-            </a:r>
-          </a:p>
-          <a:p>
-            <a:pPr marL="158750" indent="0">
-              <a:buNone/>
-            </a:pPr>
-            <a:r>
-              <a:rPr lang="en-US" sz="2400" dirty="0">
-                <a:solidFill>
-                  <a:schemeClr val="bg1"/>
-                </a:solidFill>
-              </a:rPr>
-              <a:t>We used this version-management tool to coordinate out workloads and we also kept the entire project synced and stored there, in the cloud storage.</a:t>
-            </a:r>
-          </a:p>
-        </p:txBody>
-      </p:sp>
-      <p:pic>
-        <p:nvPicPr>
-          <p:cNvPr id="7" name="Picture 6" descr="A black and white logo&#10;&#10;Description automatically generated">
-            <a:extLst>
-              <a:ext uri="{FF2B5EF4-FFF2-40B4-BE49-F238E27FC236}">
-                <a16:creationId xmlns:a16="http://schemas.microsoft.com/office/drawing/2014/main" id="{B92E06B3-ED7E-2C73-4C00-EBCCC64DF5D1}"/>
-              </a:ext>
-            </a:extLst>
-          </p:cNvPr>
-          <p:cNvPicPr>
-            <a:picLocks noChangeAspect="1"/>
-          </p:cNvPicPr>
-          <p:nvPr/>
-        </p:nvPicPr>
-        <p:blipFill>
-          <a:blip r:embed="rId2">
-            <a:extLst>
-              <a:ext uri="{28A0092B-C50C-407E-A947-70E740481C1C}">
-                <a14:useLocalDpi xmlns:a14="http://schemas.microsoft.com/office/drawing/2010/main" val="0"/>
-              </a:ext>
-            </a:extLst>
-          </a:blip>
-          <a:stretch>
-            <a:fillRect/>
-          </a:stretch>
-        </p:blipFill>
-        <p:spPr>
-          <a:xfrm>
-            <a:off x="8515002" y="382303"/>
-            <a:ext cx="3523861" cy="1306178"/>
-          </a:xfrm>
-          <a:prstGeom prst="rect">
-            <a:avLst/>
-          </a:prstGeom>
-        </p:spPr>
-      </p:pic>
-      <p:pic>
-        <p:nvPicPr>
-          <p:cNvPr id="9" name="Kép 8">
-            <a:extLst>
-              <a:ext uri="{FF2B5EF4-FFF2-40B4-BE49-F238E27FC236}">
-                <a16:creationId xmlns:a16="http://schemas.microsoft.com/office/drawing/2014/main" id="{07712913-3597-0405-3BFB-6123EB6B8E55}"/>
-              </a:ext>
-            </a:extLst>
-          </p:cNvPr>
-          <p:cNvPicPr>
-            <a:picLocks noChangeAspect="1"/>
-          </p:cNvPicPr>
-          <p:nvPr/>
-        </p:nvPicPr>
-        <p:blipFill>
-          <a:blip r:embed="rId3"/>
-          <a:stretch>
-            <a:fillRect/>
-          </a:stretch>
-        </p:blipFill>
-        <p:spPr>
-          <a:xfrm>
-            <a:off x="7007256" y="1816100"/>
-            <a:ext cx="4596916" cy="4311412"/>
-          </a:xfrm>
-          <a:prstGeom prst="rect">
-            <a:avLst/>
-          </a:prstGeom>
-        </p:spPr>
-      </p:pic>
-    </p:spTree>
-    <p:extLst>
-      <p:ext uri="{BB962C8B-B14F-4D97-AF65-F5344CB8AC3E}">
-        <p14:creationId xmlns:p14="http://schemas.microsoft.com/office/powerpoint/2010/main" val="416715210"/>
-      </p:ext>
-    </p:extLst>
-  </p:cSld>
-  <p:clrMapOvr>
-    <a:masterClrMapping/>
-  </p:clrMapOvr>
-</p:sld>
-</file>
-
-<file path=ppt/slides/slide15.xml><?xml version="1.0" encoding="utf-8"?>
-<p:sld xmlns:a="http://schemas.openxmlformats.org/drawingml/2006/main" xmlns:r="http://schemas.openxmlformats.org/officeDocument/2006/relationships" xmlns:p="http://schemas.openxmlformats.org/presentationml/2006/main">
-  <p:cSld>
-    <p:spTree>
-      <p:nvGrpSpPr>
-        <p:cNvPr id="1" name=""/>
-        <p:cNvGrpSpPr/>
-        <p:nvPr/>
-      </p:nvGrpSpPr>
-      <p:grpSpPr>
-        <a:xfrm>
-          <a:off x="0" y="0"/>
-          <a:ext cx="0" cy="0"/>
-          <a:chOff x="0" y="0"/>
-          <a:chExt cx="0" cy="0"/>
-        </a:xfrm>
-      </p:grpSpPr>
-      <p:sp>
-        <p:nvSpPr>
-          <p:cNvPr id="2" name="Cím 1">
-            <a:extLst>
-              <a:ext uri="{FF2B5EF4-FFF2-40B4-BE49-F238E27FC236}">
-                <a16:creationId xmlns:a16="http://schemas.microsoft.com/office/drawing/2014/main" id="{8707011A-CE27-444A-A9F4-3AF1E03C7A69}"/>
-              </a:ext>
-            </a:extLst>
-          </p:cNvPr>
-          <p:cNvSpPr>
-            <a:spLocks noGrp="1"/>
-          </p:cNvSpPr>
-          <p:nvPr>
-            <p:ph type="title"/>
-          </p:nvPr>
-        </p:nvSpPr>
-        <p:spPr/>
-        <p:txBody>
-          <a:bodyPr/>
-          <a:lstStyle/>
-          <a:p>
-            <a:r>
-              <a:rPr lang="hu-HU" dirty="0"/>
-              <a:t>Visual </a:t>
-            </a:r>
-            <a:r>
-              <a:rPr lang="hu-HU" dirty="0" err="1"/>
-              <a:t>studio</a:t>
-            </a:r>
-            <a:r>
-              <a:rPr lang="hu-HU" dirty="0"/>
-              <a:t> 2022</a:t>
-            </a:r>
-            <a:endParaRPr lang="en-US" dirty="0"/>
-          </a:p>
-        </p:txBody>
-      </p:sp>
-      <p:sp>
-        <p:nvSpPr>
-          <p:cNvPr id="3" name="Tartalom helye 2">
-            <a:extLst>
-              <a:ext uri="{FF2B5EF4-FFF2-40B4-BE49-F238E27FC236}">
-                <a16:creationId xmlns:a16="http://schemas.microsoft.com/office/drawing/2014/main" id="{8BE89C88-CC96-497B-ABF8-ABB003B12E19}"/>
-              </a:ext>
-            </a:extLst>
-          </p:cNvPr>
-          <p:cNvSpPr>
-            <a:spLocks noGrp="1"/>
-          </p:cNvSpPr>
-          <p:nvPr>
-            <p:ph sz="half" idx="1"/>
-          </p:nvPr>
-        </p:nvSpPr>
-        <p:spPr/>
-        <p:txBody>
-          <a:bodyPr/>
-          <a:lstStyle/>
-          <a:p>
-            <a:pPr marL="0" indent="0">
-              <a:buNone/>
-            </a:pPr>
-            <a:r>
-              <a:rPr lang="en-US" dirty="0"/>
-              <a:t>Visual Studio </a:t>
-            </a:r>
-            <a:r>
-              <a:rPr lang="en-US" dirty="0">
-                <a:solidFill>
-                  <a:schemeClr val="bg1"/>
-                </a:solidFill>
-              </a:rPr>
-              <a:t>is the best IDE to build rich, beautiful, cross platform applications for Windows, Mac, Linux, iOS, and Android. Build rich clients apps using a range of technologies such as; WinForms, WPF, </a:t>
-            </a:r>
-            <a:r>
-              <a:rPr lang="en-US" dirty="0" err="1">
-                <a:solidFill>
-                  <a:schemeClr val="bg1"/>
-                </a:solidFill>
-              </a:rPr>
-              <a:t>WinUI</a:t>
-            </a:r>
-            <a:r>
-              <a:rPr lang="en-US" dirty="0">
-                <a:solidFill>
-                  <a:schemeClr val="bg1"/>
-                </a:solidFill>
-              </a:rPr>
-              <a:t>, MAUI, or Xamarin</a:t>
-            </a:r>
-            <a:endParaRPr lang="hu-HU" dirty="0">
-              <a:solidFill>
-                <a:schemeClr val="bg1"/>
-              </a:solidFill>
-            </a:endParaRPr>
-          </a:p>
-          <a:p>
-            <a:pPr marL="0" indent="0">
-              <a:buNone/>
-            </a:pPr>
-            <a:r>
-              <a:rPr lang="en-US" dirty="0">
-                <a:solidFill>
-                  <a:schemeClr val="bg1"/>
-                </a:solidFill>
-              </a:rPr>
-              <a:t>The technology we used was </a:t>
-            </a:r>
-            <a:r>
-              <a:rPr lang="en-US" dirty="0"/>
-              <a:t>WPF</a:t>
-            </a:r>
-            <a:endParaRPr lang="hu-HU" dirty="0"/>
-          </a:p>
-        </p:txBody>
-      </p:sp>
-      <p:pic>
-        <p:nvPicPr>
-          <p:cNvPr id="1026" name="Picture 2" descr="Visual Studio - Wikipedia">
-            <a:extLst>
-              <a:ext uri="{FF2B5EF4-FFF2-40B4-BE49-F238E27FC236}">
-                <a16:creationId xmlns:a16="http://schemas.microsoft.com/office/drawing/2014/main" id="{52547C62-04A1-47C0-9BA7-467A4D1C0653}"/>
-              </a:ext>
-            </a:extLst>
-          </p:cNvPr>
-          <p:cNvPicPr>
-            <a:picLocks noGrp="1" noChangeAspect="1" noChangeArrowheads="1"/>
-          </p:cNvPicPr>
-          <p:nvPr>
-            <p:ph sz="half" idx="2"/>
-          </p:nvPr>
-        </p:nvPicPr>
-        <p:blipFill>
-          <a:blip r:embed="rId2">
-            <a:extLst>
-              <a:ext uri="{28A0092B-C50C-407E-A947-70E740481C1C}">
-                <a14:useLocalDpi xmlns:a14="http://schemas.microsoft.com/office/drawing/2010/main" val="0"/>
-              </a:ext>
-            </a:extLst>
-          </a:blip>
-          <a:srcRect/>
-          <a:stretch>
-            <a:fillRect/>
-          </a:stretch>
-        </p:blipFill>
-        <p:spPr bwMode="auto">
-          <a:xfrm>
-            <a:off x="6360239" y="1411696"/>
-            <a:ext cx="3649662" cy="3649662"/>
-          </a:xfrm>
-          <a:prstGeom prst="rect">
-            <a:avLst/>
-          </a:prstGeom>
-          <a:noFill/>
-          <a:extLst>
-            <a:ext uri="{909E8E84-426E-40DD-AFC4-6F175D3DCCD1}">
-              <a14:hiddenFill xmlns:a14="http://schemas.microsoft.com/office/drawing/2010/main">
-                <a:solidFill>
-                  <a:srgbClr val="FFFFFF"/>
-                </a:solidFill>
-              </a14:hiddenFill>
-            </a:ext>
-          </a:extLst>
-        </p:spPr>
-      </p:pic>
-    </p:spTree>
-    <p:extLst>
-      <p:ext uri="{BB962C8B-B14F-4D97-AF65-F5344CB8AC3E}">
-        <p14:creationId xmlns:p14="http://schemas.microsoft.com/office/powerpoint/2010/main" val="3874392741"/>
       </p:ext>
     </p:extLst>
   </p:cSld>
@@ -49338,7 +49257,7 @@
         </p:spPr>
         <p:txBody>
           <a:bodyPr>
-            <a:normAutofit fontScale="92500" lnSpcReduction="10000"/>
+            <a:normAutofit/>
           </a:bodyPr>
           <a:lstStyle/>
           <a:p>
@@ -49367,7 +49286,23 @@
                   <a:schemeClr val="bg1"/>
                 </a:solidFill>
               </a:rPr>
-              <a:t> shows the structure of the website.</a:t>
+              <a:t> shows the structure of the </a:t>
+            </a:r>
+            <a:r>
+              <a:rPr lang="hu-HU" sz="2100" dirty="0">
+                <a:solidFill>
+                  <a:schemeClr val="bg1"/>
+                </a:solidFill>
+              </a:rPr>
+              <a:t>app</a:t>
+            </a:r>
+            <a:r>
+              <a:rPr lang="en-US" sz="2100" dirty="0">
+                <a:solidFill>
+                  <a:schemeClr val="bg1"/>
+                </a:solidFill>
+              </a:rPr>
+              <a:t>.</a:t>
             </a:r>
           </a:p>
           <a:p>
@@ -49396,18 +49331,16 @@
                   <a:schemeClr val="bg1"/>
                 </a:solidFill>
               </a:rPr>
-              <a:t> is used to build the structure of the website, at this point we have already taken into account the possibilities offered by Bootstrap.</a:t>
+              <a:t> is used to build the structure of the </a:t>
             </a:r>
-            <a:endParaRPr lang="en-US" sz="2400" dirty="0">
-              <a:solidFill>
-                <a:schemeClr val="bg1"/>
-              </a:solidFill>
-            </a:endParaRPr>
-          </a:p>
-          <a:p>
-            <a:pPr marL="158750" indent="0">
-              <a:buNone/>
-            </a:pPr>
+            <a:r>
+              <a:rPr lang="hu-HU" sz="2000" dirty="0">
+                <a:solidFill>
+                  <a:schemeClr val="bg1"/>
+                </a:solidFill>
+              </a:rPr>
+              <a:t>app.</a:t>
+            </a:r>
             <a:endParaRPr lang="en-US" sz="2400" i="1" u="sng" dirty="0">
               <a:solidFill>
                 <a:schemeClr val="bg1"/>
@@ -49600,7 +49533,7 @@
         </p:spPr>
         <p:txBody>
           <a:bodyPr>
-            <a:normAutofit fontScale="92500" lnSpcReduction="10000"/>
+            <a:normAutofit/>
           </a:bodyPr>
           <a:lstStyle/>
           <a:p>
@@ -49629,7 +49562,31 @@
                   <a:schemeClr val="bg1"/>
                 </a:solidFill>
               </a:rPr>
-              <a:t> shows the structure of the website.</a:t>
+              <a:t> shows the structure of the </a:t>
+            </a:r>
+            <a:r>
+              <a:rPr lang="hu-HU" sz="2100" dirty="0">
+                <a:solidFill>
+                  <a:schemeClr val="bg1"/>
+                </a:solidFill>
+              </a:rPr>
+              <a:t>app</a:t>
+            </a:r>
+            <a:r>
+              <a:rPr lang="en-US" sz="2100" dirty="0">
+                <a:solidFill>
+                  <a:schemeClr val="bg1"/>
+                </a:solidFill>
+              </a:rPr>
+              <a:t>.</a:t>
+            </a:r>
+            <a:r>
+              <a:rPr lang="hu-HU" sz="2100" dirty="0">
+                <a:solidFill>
+                  <a:schemeClr val="bg1"/>
+                </a:solidFill>
+              </a:rPr>
+              <a:t> </a:t>
             </a:r>
           </a:p>
           <a:p>
@@ -49658,13 +49615,16 @@
                   <a:schemeClr val="bg1"/>
                 </a:solidFill>
               </a:rPr>
-              <a:t> is used to build the structure of the website, at this point we have already taken into account the possibilities offered by Bootstrap.</a:t>
+              <a:t> is used to build the structure of the</a:t>
             </a:r>
-          </a:p>
-          <a:p>
-            <a:pPr marL="158750" indent="0">
-              <a:buNone/>
-            </a:pPr>
+            <a:r>
+              <a:rPr lang="hu-HU" sz="2100" dirty="0">
+                <a:solidFill>
+                  <a:schemeClr val="bg1"/>
+                </a:solidFill>
+              </a:rPr>
+              <a:t> app.</a:t>
+            </a:r>
             <a:endParaRPr lang="en-US" sz="2800" i="1" u="sng" dirty="0">
               <a:solidFill>
                 <a:schemeClr val="bg1"/>
@@ -49968,7 +49928,7 @@
           <p:cNvPr id="2" name="Cím 1">
             <a:extLst>
               <a:ext uri="{FF2B5EF4-FFF2-40B4-BE49-F238E27FC236}">
-                <a16:creationId xmlns:a16="http://schemas.microsoft.com/office/drawing/2014/main" id="{7F901B5D-9267-4B8F-8174-F28652CE1542}"/>
+                <a16:creationId xmlns:a16="http://schemas.microsoft.com/office/drawing/2014/main" id="{A35FCB0D-0BCE-4AD0-9876-723B8354404D}"/>
               </a:ext>
             </a:extLst>
           </p:cNvPr>
@@ -49979,38 +49939,89 @@
             <p:ph type="title"/>
           </p:nvPr>
         </p:nvSpPr>
+        <p:spPr/>
+        <p:txBody>
+          <a:bodyPr/>
+          <a:lstStyle/>
+          <a:p>
+            <a:r>
+              <a:rPr lang="hu-HU" dirty="0">
+                <a:solidFill>
+                  <a:schemeClr val="accent1"/>
+                </a:solidFill>
+              </a:rPr>
+              <a:t>GitHub</a:t>
+            </a:r>
+          </a:p>
+        </p:txBody>
+      </p:sp>
+      <p:sp>
+        <p:nvSpPr>
+          <p:cNvPr id="3" name="Tartalom helye 2">
+            <a:extLst>
+              <a:ext uri="{FF2B5EF4-FFF2-40B4-BE49-F238E27FC236}">
+                <a16:creationId xmlns:a16="http://schemas.microsoft.com/office/drawing/2014/main" id="{BC2288B0-13D8-4F0F-B847-1D8E2B3BE34C}"/>
+              </a:ext>
+            </a:extLst>
+          </p:cNvPr>
+          <p:cNvSpPr>
+            <a:spLocks noGrp="1"/>
+          </p:cNvSpPr>
+          <p:nvPr>
+            <p:ph idx="1"/>
+          </p:nvPr>
+        </p:nvSpPr>
         <p:spPr>
           <a:xfrm>
-            <a:off x="1424133" y="324587"/>
-            <a:ext cx="9396400" cy="643200"/>
+            <a:off x="587828" y="2094309"/>
+            <a:ext cx="4012163" cy="4033203"/>
           </a:xfrm>
         </p:spPr>
         <p:txBody>
           <a:bodyPr/>
           <a:lstStyle/>
           <a:p>
+            <a:pPr marL="158750" indent="0">
+              <a:buNone/>
+            </a:pPr>
             <a:r>
-              <a:rPr lang="en-US" sz="3200" dirty="0">
+              <a:rPr lang="en-US" sz="2400" dirty="0">
                 <a:solidFill>
                   <a:schemeClr val="tx2"/>
                 </a:solidFill>
               </a:rPr>
-              <a:t>prototype</a:t>
+              <a:t>GitHub</a:t>
             </a:r>
-            <a:endParaRPr lang="hu-HU" sz="3200" dirty="0">
-              <a:solidFill>
-                <a:schemeClr val="tx2"/>
-              </a:solidFill>
-            </a:endParaRPr>
+            <a:r>
+              <a:rPr lang="en-US" sz="2400" dirty="0">
+                <a:solidFill>
+                  <a:schemeClr val="bg1"/>
+                </a:solidFill>
+              </a:rPr>
+              <a:t> is often used by programmers.</a:t>
+            </a:r>
+          </a:p>
+          <a:p>
+            <a:pPr marL="158750" indent="0">
+              <a:buNone/>
+            </a:pPr>
+            <a:r>
+              <a:rPr lang="en-US" sz="2400" dirty="0">
+                <a:solidFill>
+                  <a:schemeClr val="bg1"/>
+                </a:solidFill>
+              </a:rPr>
+              <a:t>We used this version-management tool to coordinate out workloads and we also kept the entire project synced and stored there, in the cloud storage.</a:t>
+            </a:r>
           </a:p>
         </p:txBody>
       </p:sp>
       <p:pic>
         <p:nvPicPr>
-          <p:cNvPr id="5" name="Kép 4">
+          <p:cNvPr id="7" name="Picture 6" descr="A black and white logo&#10;&#10;Description automatically generated">
             <a:extLst>
               <a:ext uri="{FF2B5EF4-FFF2-40B4-BE49-F238E27FC236}">
-                <a16:creationId xmlns:a16="http://schemas.microsoft.com/office/drawing/2014/main" id="{97EF8452-0184-4AD3-AD8A-1D0769A88F3D}"/>
+                <a16:creationId xmlns:a16="http://schemas.microsoft.com/office/drawing/2014/main" id="{B92E06B3-ED7E-2C73-4C00-EBCCC64DF5D1}"/>
               </a:ext>
             </a:extLst>
           </p:cNvPr>
@@ -50033,8 +50044,38 @@
         </p:blipFill>
         <p:spPr>
           <a:xfrm>
-            <a:off x="2471737" y="1185862"/>
-            <a:ext cx="7248525" cy="4486275"/>
+            <a:off x="8515002" y="382303"/>
+            <a:ext cx="3523861" cy="1306178"/>
+          </a:xfrm>
+          <a:prstGeom prst="rect">
+            <a:avLst/>
+          </a:prstGeom>
+        </p:spPr>
+      </p:pic>
+      <p:pic>
+        <p:nvPicPr>
+          <p:cNvPr id="9" name="Kép 8">
+            <a:extLst>
+              <a:ext uri="{FF2B5EF4-FFF2-40B4-BE49-F238E27FC236}">
+                <a16:creationId xmlns:a16="http://schemas.microsoft.com/office/drawing/2014/main" id="{07712913-3597-0405-3BFB-6123EB6B8E55}"/>
+              </a:ext>
+            </a:extLst>
+          </p:cNvPr>
+          <p:cNvPicPr>
+            <a:picLocks noChangeAspect="1"/>
+          </p:cNvPicPr>
+          <p:nvPr/>
+        </p:nvPicPr>
+        <p:blipFill>
+          <a:blip r:embed="rId3"/>
+          <a:stretch>
+            <a:fillRect/>
+          </a:stretch>
+        </p:blipFill>
+        <p:spPr>
+          <a:xfrm>
+            <a:off x="7007256" y="1816100"/>
+            <a:ext cx="4596916" cy="4311412"/>
           </a:xfrm>
           <a:prstGeom prst="rect">
             <a:avLst/>
@@ -50044,7 +50085,7 @@
     </p:spTree>
     <p:extLst>
       <p:ext uri="{BB962C8B-B14F-4D97-AF65-F5344CB8AC3E}">
-        <p14:creationId xmlns:p14="http://schemas.microsoft.com/office/powerpoint/2010/main" val="3355396585"/>
+        <p14:creationId xmlns:p14="http://schemas.microsoft.com/office/powerpoint/2010/main" val="416715210"/>
       </p:ext>
     </p:extLst>
   </p:cSld>
